--- a/.slides/topics/11_t_test.pptx
+++ b/.slides/topics/11_t_test.pptx
@@ -15,9 +15,9 @@
     <p:sldId id="263" r:id="rId9"/>
     <p:sldId id="264" r:id="rId10"/>
     <p:sldId id="265" r:id="rId11"/>
-    <p:sldId id="266" r:id="rId12"/>
-    <p:sldId id="267" r:id="rId13"/>
-    <p:sldId id="268" r:id="rId14"/>
+    <p:sldId id="267" r:id="rId12"/>
+    <p:sldId id="268" r:id="rId13"/>
+    <p:sldId id="271" r:id="rId14"/>
   </p:sldIdLst>
   <p:sldSz cx="12192000" cy="6858000"/>
   <p:notesSz cx="6858000" cy="9144000"/>
@@ -3483,6 +3483,53 @@
           </a:p>
         </p:txBody>
       </p:sp>
+      <p:pic>
+        <p:nvPicPr>
+          <p:cNvPr id="1026" name="Picture 2">
+            <a:extLst>
+              <a:ext uri="{FF2B5EF4-FFF2-40B4-BE49-F238E27FC236}">
+                <a16:creationId xmlns:a16="http://schemas.microsoft.com/office/drawing/2014/main" id="{5007A5FA-2BBE-BA4C-03E5-5533DF72EDEB}"/>
+              </a:ext>
+            </a:extLst>
+          </p:cNvPr>
+          <p:cNvPicPr>
+            <a:picLocks noChangeAspect="1" noChangeArrowheads="1"/>
+          </p:cNvPicPr>
+          <p:nvPr/>
+        </p:nvPicPr>
+        <p:blipFill>
+          <a:blip r:embed="rId3">
+            <a:extLst>
+              <a:ext uri="{28A0092B-C50C-407E-A947-70E740481C1C}">
+                <a14:useLocalDpi xmlns:a14="http://schemas.microsoft.com/office/drawing/2010/main" val="0"/>
+              </a:ext>
+            </a:extLst>
+          </a:blip>
+          <a:srcRect/>
+          <a:stretch>
+            <a:fillRect/>
+          </a:stretch>
+        </p:blipFill>
+        <p:spPr bwMode="auto">
+          <a:xfrm>
+            <a:off x="8336712" y="629738"/>
+            <a:ext cx="3240000" cy="2160000"/>
+          </a:xfrm>
+          <a:prstGeom prst="rect">
+            <a:avLst/>
+          </a:prstGeom>
+          <a:noFill/>
+          <a:extLst>
+            <a:ext uri="{909E8E84-426E-40DD-AFC4-6F175D3DCCD1}">
+              <a14:hiddenFill xmlns:a14="http://schemas.microsoft.com/office/drawing/2010/main">
+                <a:solidFill>
+                  <a:srgbClr val="FFFFFF"/>
+                </a:solidFill>
+              </a14:hiddenFill>
+            </a:ext>
+          </a:extLst>
+        </p:spPr>
+      </p:pic>
     </p:spTree>
   </p:cSld>
   <p:clrMapOvr>
@@ -3634,7 +3681,7 @@
               <a:buNone/>
             </a:pPr>
             <a:r>
-              <a:t>T-test Variations</a:t>
+              <a:t>Mann-Whitney U-test Alternative</a:t>
             </a:r>
           </a:p>
         </p:txBody>
@@ -3662,25 +3709,25 @@
           <a:p>
             <a:pPr lvl="0"/>
             <a:r>
-              <a:t>Two-sample t-test for independent groups</a:t>
-            </a:r>
-          </a:p>
-          <a:p>
-            <a:pPr lvl="0"/>
-            <a:r>
-              <a:t>One-sample t-test against known mean</a:t>
-            </a:r>
-          </a:p>
-          <a:p>
-            <a:pPr lvl="0"/>
-            <a:r>
-              <a:t>Paired t-test for dependent observations</a:t>
-            </a:r>
-          </a:p>
-          <a:p>
-            <a:pPr lvl="0"/>
-            <a:r>
-              <a:t>Each requires specific data structure and interpretation</a:t>
+              <a:t>Non-parametric alternative when assumptions not met</a:t>
+            </a:r>
+          </a:p>
+          <a:p>
+            <a:pPr lvl="0"/>
+            <a:r>
+              <a:t>Uses wilcox.test() function in R</a:t>
+            </a:r>
+          </a:p>
+          <a:p>
+            <a:pPr lvl="0"/>
+            <a:r>
+              <a:t>Good choice for small samples or skewed distributions</a:t>
+            </a:r>
+          </a:p>
+          <a:p>
+            <a:pPr lvl="0"/>
+            <a:r>
+              <a:t>Less statistical power but no distributional assumptions</a:t>
             </a:r>
           </a:p>
         </p:txBody>
@@ -3735,7 +3782,7 @@
               <a:buNone/>
             </a:pPr>
             <a:r>
-              <a:t>Mann-Whitney U-test Alternative</a:t>
+              <a:t>Results Reporting</a:t>
             </a:r>
           </a:p>
         </p:txBody>
@@ -3763,25 +3810,25 @@
           <a:p>
             <a:pPr lvl="0"/>
             <a:r>
-              <a:t>Non-parametric alternative when assumptions not met</a:t>
-            </a:r>
-          </a:p>
-          <a:p>
-            <a:pPr lvl="0"/>
-            <a:r>
-              <a:t>Uses wilcox.test() function in R</a:t>
-            </a:r>
-          </a:p>
-          <a:p>
-            <a:pPr lvl="0"/>
-            <a:r>
-              <a:t>Good choice for small samples or skewed distributions</a:t>
-            </a:r>
-          </a:p>
-          <a:p>
-            <a:pPr lvl="0"/>
-            <a:r>
-              <a:t>Less statistical power but no distributional assumptions</a:t>
+              <a:t>Report test statistic, degrees of freedom, p-value</a:t>
+            </a:r>
+          </a:p>
+          <a:p>
+            <a:pPr lvl="0"/>
+            <a:r>
+              <a:t>Example: “significant difference (2-sample t-test: t = -8.63, df = 11.9, P &lt; 0.0001)”</a:t>
+            </a:r>
+          </a:p>
+          <a:p>
+            <a:pPr lvl="0"/>
+            <a:r>
+              <a:t>Always include all three key quantities</a:t>
+            </a:r>
+          </a:p>
+          <a:p>
+            <a:pPr lvl="0"/>
+            <a:r>
+              <a:t>Format p-values appropriately (P &lt; 0.0001 for small values)</a:t>
             </a:r>
           </a:p>
         </p:txBody>
@@ -3836,57 +3883,47 @@
               <a:buNone/>
             </a:pPr>
             <a:r>
-              <a:t>Results Reporting</a:t>
-            </a:r>
-          </a:p>
-        </p:txBody>
-      </p:sp>
-      <p:sp>
-        <p:nvSpPr>
-          <p:cNvPr id="3" name="Content Placeholder 2">
-            <a:extLst>
-              <a:ext uri="{FF2B5EF4-FFF2-40B4-BE49-F238E27FC236}">
-                <a16:creationId xmlns:a16="http://schemas.microsoft.com/office/drawing/2014/main" id="{51C3FE42-1672-993E-68F1-5E07C2E42057}"/>
-              </a:ext>
-            </a:extLst>
-          </p:cNvPr>
-          <p:cNvSpPr>
-            <a:spLocks noGrp="1"/>
-          </p:cNvSpPr>
-          <p:nvPr>
-            <p:ph idx="1"/>
-          </p:nvPr>
-        </p:nvSpPr>
-        <p:spPr/>
-        <p:txBody>
-          <a:bodyPr/>
-          <a:lstStyle/>
-          <a:p>
-            <a:pPr lvl="0"/>
-            <a:r>
-              <a:t>Report test statistic, degrees of freedom, p-value</a:t>
-            </a:r>
-          </a:p>
-          <a:p>
-            <a:pPr lvl="0"/>
-            <a:r>
-              <a:t>Example: “significant difference (2-sample t-test: t = -8.63, df = 11.9, P &lt; 0.0001)”</a:t>
-            </a:r>
-          </a:p>
-          <a:p>
-            <a:pPr lvl="0"/>
-            <a:r>
-              <a:t>Always include all three key quantities</a:t>
-            </a:r>
-          </a:p>
-          <a:p>
-            <a:pPr lvl="0"/>
-            <a:r>
-              <a:t>Format p-values appropriately (P &lt; 0.0001 for small values)</a:t>
-            </a:r>
-          </a:p>
-        </p:txBody>
-      </p:sp>
+              <a:t>Practice Exercises</a:t>
+            </a:r>
+          </a:p>
+        </p:txBody>
+      </p:sp>
+      <p:pic>
+        <p:nvPicPr>
+          <p:cNvPr id="6" name="Picture 5" descr="A cat sitting on a computer&#10;&#10;AI-generated content may be incorrect.">
+            <a:extLst>
+              <a:ext uri="{FF2B5EF4-FFF2-40B4-BE49-F238E27FC236}">
+                <a16:creationId xmlns:a16="http://schemas.microsoft.com/office/drawing/2014/main" id="{D2E0F507-A649-BEC3-934D-D62F9A7982A2}"/>
+              </a:ext>
+            </a:extLst>
+          </p:cNvPr>
+          <p:cNvPicPr>
+            <a:picLocks noChangeAspect="1"/>
+          </p:cNvPicPr>
+          <p:nvPr/>
+        </p:nvPicPr>
+        <p:blipFill>
+          <a:blip r:embed="rId2">
+            <a:extLst>
+              <a:ext uri="{28A0092B-C50C-407E-A947-70E740481C1C}">
+                <a14:useLocalDpi xmlns:a14="http://schemas.microsoft.com/office/drawing/2010/main" val="0"/>
+              </a:ext>
+            </a:extLst>
+          </a:blip>
+          <a:stretch>
+            <a:fillRect/>
+          </a:stretch>
+        </p:blipFill>
+        <p:spPr>
+          <a:xfrm>
+            <a:off x="2154453" y="1417320"/>
+            <a:ext cx="7883093" cy="5255395"/>
+          </a:xfrm>
+          <a:prstGeom prst="rect">
+            <a:avLst/>
+          </a:prstGeom>
+        </p:spPr>
+      </p:pic>
     </p:spTree>
   </p:cSld>
   <p:clrMapOvr>
@@ -4089,6 +4126,83 @@
           </a:p>
         </p:txBody>
       </p:sp>
+      <p:pic>
+        <p:nvPicPr>
+          <p:cNvPr id="2050" name="Picture 2" descr="A Gentle Introduction to Student's T-Test - Sefik Ilkin Serengil">
+            <a:extLst>
+              <a:ext uri="{FF2B5EF4-FFF2-40B4-BE49-F238E27FC236}">
+                <a16:creationId xmlns:a16="http://schemas.microsoft.com/office/drawing/2014/main" id="{7FED72CB-AA97-C135-DA6B-5EB402888022}"/>
+              </a:ext>
+            </a:extLst>
+          </p:cNvPr>
+          <p:cNvPicPr>
+            <a:picLocks noChangeAspect="1" noChangeArrowheads="1"/>
+          </p:cNvPicPr>
+          <p:nvPr/>
+        </p:nvPicPr>
+        <p:blipFill>
+          <a:blip r:embed="rId2">
+            <a:extLst>
+              <a:ext uri="{28A0092B-C50C-407E-A947-70E740481C1C}">
+                <a14:useLocalDpi xmlns:a14="http://schemas.microsoft.com/office/drawing/2010/main" val="0"/>
+              </a:ext>
+            </a:extLst>
+          </a:blip>
+          <a:srcRect/>
+          <a:stretch>
+            <a:fillRect/>
+          </a:stretch>
+        </p:blipFill>
+        <p:spPr bwMode="auto">
+          <a:xfrm>
+            <a:off x="6378842" y="4006098"/>
+            <a:ext cx="1761772" cy="2577264"/>
+          </a:xfrm>
+          <a:prstGeom prst="rect">
+            <a:avLst/>
+          </a:prstGeom>
+          <a:noFill/>
+          <a:extLst>
+            <a:ext uri="{909E8E84-426E-40DD-AFC4-6F175D3DCCD1}">
+              <a14:hiddenFill xmlns:a14="http://schemas.microsoft.com/office/drawing/2010/main">
+                <a:solidFill>
+                  <a:srgbClr val="FFFFFF"/>
+                </a:solidFill>
+              </a14:hiddenFill>
+            </a:ext>
+          </a:extLst>
+        </p:spPr>
+      </p:pic>
+      <p:pic>
+        <p:nvPicPr>
+          <p:cNvPr id="5" name="Picture 4">
+            <a:extLst>
+              <a:ext uri="{FF2B5EF4-FFF2-40B4-BE49-F238E27FC236}">
+                <a16:creationId xmlns:a16="http://schemas.microsoft.com/office/drawing/2014/main" id="{03D0762B-1BD1-1C3A-10C3-0214A7797311}"/>
+              </a:ext>
+            </a:extLst>
+          </p:cNvPr>
+          <p:cNvPicPr>
+            <a:picLocks noChangeAspect="1"/>
+          </p:cNvPicPr>
+          <p:nvPr/>
+        </p:nvPicPr>
+        <p:blipFill>
+          <a:blip r:embed="rId3"/>
+          <a:stretch>
+            <a:fillRect/>
+          </a:stretch>
+        </p:blipFill>
+        <p:spPr>
+          <a:xfrm>
+            <a:off x="3313176" y="4096586"/>
+            <a:ext cx="1303863" cy="2396289"/>
+          </a:xfrm>
+          <a:prstGeom prst="rect">
+            <a:avLst/>
+          </a:prstGeom>
+        </p:spPr>
+      </p:pic>
     </p:spTree>
   </p:cSld>
   <p:clrMapOvr>
@@ -4160,31 +4274,40 @@
             <p:ph idx="1"/>
           </p:nvPr>
         </p:nvSpPr>
-        <p:spPr/>
-        <p:txBody>
-          <a:bodyPr/>
-          <a:lstStyle/>
-          <a:p>
-            <a:pPr lvl="0"/>
-            <a:r>
+        <p:spPr>
+          <a:xfrm>
+            <a:off x="838200" y="1825625"/>
+            <a:ext cx="10755702" cy="4351338"/>
+          </a:xfrm>
+        </p:spPr>
+        <p:txBody>
+          <a:bodyPr/>
+          <a:lstStyle/>
+          <a:p>
+            <a:pPr lvl="0"/>
+            <a:r>
+              <a:rPr dirty="0"/>
               <a:t>Compare populations using independent samples</a:t>
             </a:r>
           </a:p>
           <a:p>
             <a:pPr lvl="0"/>
             <a:r>
+              <a:rPr dirty="0"/>
               <a:t>Three common versions: 2 independent samples, 1 sample vs known mean, paired samples</a:t>
             </a:r>
           </a:p>
           <a:p>
             <a:pPr lvl="0"/>
             <a:r>
+              <a:rPr dirty="0"/>
               <a:t>Basic question: are means different between groups?</a:t>
             </a:r>
           </a:p>
           <a:p>
             <a:pPr lvl="0"/>
             <a:r>
+              <a:rPr dirty="0"/>
               <a:t>Used to test if samples came from different populations</a:t>
             </a:r>
           </a:p>
@@ -4261,36 +4384,92 @@
             <p:ph idx="1"/>
           </p:nvPr>
         </p:nvSpPr>
-        <p:spPr/>
-        <p:txBody>
-          <a:bodyPr/>
-          <a:lstStyle/>
-          <a:p>
-            <a:pPr lvl="0"/>
-            <a:r>
+        <p:spPr>
+          <a:xfrm>
+            <a:off x="838201" y="1825625"/>
+            <a:ext cx="5640238" cy="4351338"/>
+          </a:xfrm>
+        </p:spPr>
+        <p:txBody>
+          <a:bodyPr/>
+          <a:lstStyle/>
+          <a:p>
+            <a:pPr lvl="0"/>
+            <a:r>
+              <a:rPr dirty="0"/>
               <a:t>Numeric variable measured in two samples</a:t>
             </a:r>
           </a:p>
           <a:p>
             <a:pPr lvl="0"/>
             <a:r>
+              <a:rPr dirty="0"/>
               <a:t>Question: are sample means different?</a:t>
             </a:r>
           </a:p>
           <a:p>
             <a:pPr lvl="0"/>
             <a:r>
+              <a:rPr dirty="0"/>
               <a:t>Data in “long format” (one numeric, one factor) or “wide format” (two numeric vectors)</a:t>
             </a:r>
           </a:p>
           <a:p>
             <a:pPr lvl="0"/>
             <a:r>
+              <a:rPr dirty="0"/>
               <a:t>Traditional visualization: boxplot with optional raw data points</a:t>
             </a:r>
           </a:p>
         </p:txBody>
       </p:sp>
+      <p:pic>
+        <p:nvPicPr>
+          <p:cNvPr id="3074" name="Picture 2">
+            <a:extLst>
+              <a:ext uri="{FF2B5EF4-FFF2-40B4-BE49-F238E27FC236}">
+                <a16:creationId xmlns:a16="http://schemas.microsoft.com/office/drawing/2014/main" id="{568F6E0B-245B-8C58-B281-C5A29873EDEA}"/>
+              </a:ext>
+            </a:extLst>
+          </p:cNvPr>
+          <p:cNvPicPr>
+            <a:picLocks noChangeAspect="1" noChangeArrowheads="1"/>
+          </p:cNvPicPr>
+          <p:nvPr/>
+        </p:nvPicPr>
+        <p:blipFill>
+          <a:blip r:embed="rId2">
+            <a:extLst>
+              <a:ext uri="{28A0092B-C50C-407E-A947-70E740481C1C}">
+                <a14:useLocalDpi xmlns:a14="http://schemas.microsoft.com/office/drawing/2010/main" val="0"/>
+              </a:ext>
+            </a:extLst>
+          </a:blip>
+          <a:srcRect/>
+          <a:stretch>
+            <a:fillRect/>
+          </a:stretch>
+        </p:blipFill>
+        <p:spPr bwMode="auto">
+          <a:xfrm>
+            <a:off x="6598239" y="1947958"/>
+            <a:ext cx="5290415" cy="3778868"/>
+          </a:xfrm>
+          <a:prstGeom prst="rect">
+            <a:avLst/>
+          </a:prstGeom>
+          <a:noFill/>
+          <a:extLst>
+            <a:ext uri="{909E8E84-426E-40DD-AFC4-6F175D3DCCD1}">
+              <a14:hiddenFill xmlns:a14="http://schemas.microsoft.com/office/drawing/2010/main">
+                <a:solidFill>
+                  <a:srgbClr val="FFFFFF"/>
+                </a:solidFill>
+              </a14:hiddenFill>
+            </a:ext>
+          </a:extLst>
+        </p:spPr>
+      </p:pic>
     </p:spTree>
   </p:cSld>
   <p:clrMapOvr>
@@ -4362,36 +4541,92 @@
             <p:ph idx="1"/>
           </p:nvPr>
         </p:nvSpPr>
-        <p:spPr/>
-        <p:txBody>
-          <a:bodyPr/>
-          <a:lstStyle/>
-          <a:p>
-            <a:pPr lvl="0"/>
-            <a:r>
+        <p:spPr>
+          <a:xfrm>
+            <a:off x="838200" y="1825625"/>
+            <a:ext cx="6382109" cy="4351338"/>
+          </a:xfrm>
+        </p:spPr>
+        <p:txBody>
+          <a:bodyPr/>
+          <a:lstStyle/>
+          <a:p>
+            <a:pPr lvl="0"/>
+            <a:r>
+              <a:rPr dirty="0"/>
               <a:t>One sample compared to known population mean</a:t>
             </a:r>
           </a:p>
           <a:p>
             <a:pPr lvl="0"/>
             <a:r>
+              <a:rPr dirty="0"/>
               <a:t>Question: did sample come from population with known mean?</a:t>
             </a:r>
           </a:p>
           <a:p>
             <a:pPr lvl="0"/>
             <a:r>
+              <a:rPr dirty="0"/>
               <a:t>Data: single numeric vector and population mean value</a:t>
             </a:r>
           </a:p>
           <a:p>
             <a:pPr lvl="0"/>
             <a:r>
+              <a:rPr dirty="0"/>
               <a:t>Visualization: boxplot with reference line for known mean</a:t>
             </a:r>
           </a:p>
         </p:txBody>
       </p:sp>
+      <p:pic>
+        <p:nvPicPr>
+          <p:cNvPr id="4098" name="Picture 2">
+            <a:extLst>
+              <a:ext uri="{FF2B5EF4-FFF2-40B4-BE49-F238E27FC236}">
+                <a16:creationId xmlns:a16="http://schemas.microsoft.com/office/drawing/2014/main" id="{F1E24645-AA6E-8AAF-D11F-000F28C4AB24}"/>
+              </a:ext>
+            </a:extLst>
+          </p:cNvPr>
+          <p:cNvPicPr>
+            <a:picLocks noChangeAspect="1" noChangeArrowheads="1"/>
+          </p:cNvPicPr>
+          <p:nvPr/>
+        </p:nvPicPr>
+        <p:blipFill>
+          <a:blip r:embed="rId2">
+            <a:extLst>
+              <a:ext uri="{28A0092B-C50C-407E-A947-70E740481C1C}">
+                <a14:useLocalDpi xmlns:a14="http://schemas.microsoft.com/office/drawing/2010/main" val="0"/>
+              </a:ext>
+            </a:extLst>
+          </a:blip>
+          <a:srcRect/>
+          <a:stretch>
+            <a:fillRect/>
+          </a:stretch>
+        </p:blipFill>
+        <p:spPr bwMode="auto">
+          <a:xfrm>
+            <a:off x="6961516" y="1759789"/>
+            <a:ext cx="5039265" cy="3599475"/>
+          </a:xfrm>
+          <a:prstGeom prst="rect">
+            <a:avLst/>
+          </a:prstGeom>
+          <a:noFill/>
+          <a:extLst>
+            <a:ext uri="{909E8E84-426E-40DD-AFC4-6F175D3DCCD1}">
+              <a14:hiddenFill xmlns:a14="http://schemas.microsoft.com/office/drawing/2010/main">
+                <a:solidFill>
+                  <a:srgbClr val="FFFFFF"/>
+                </a:solidFill>
+              </a14:hiddenFill>
+            </a:ext>
+          </a:extLst>
+        </p:spPr>
+      </p:pic>
     </p:spTree>
   </p:cSld>
   <p:clrMapOvr>
@@ -4463,36 +4698,92 @@
             <p:ph idx="1"/>
           </p:nvPr>
         </p:nvSpPr>
-        <p:spPr/>
-        <p:txBody>
-          <a:bodyPr/>
-          <a:lstStyle/>
-          <a:p>
-            <a:pPr lvl="0"/>
-            <a:r>
+        <p:spPr>
+          <a:xfrm>
+            <a:off x="838200" y="1825625"/>
+            <a:ext cx="5864525" cy="4351338"/>
+          </a:xfrm>
+        </p:spPr>
+        <p:txBody>
+          <a:bodyPr/>
+          <a:lstStyle/>
+          <a:p>
+            <a:pPr lvl="0"/>
+            <a:r>
+              <a:rPr dirty="0"/>
               <a:t>Individual observations in samples are not independent</a:t>
             </a:r>
           </a:p>
           <a:p>
             <a:pPr lvl="0"/>
             <a:r>
+              <a:rPr dirty="0"/>
               <a:t>Examples: before/after treatment, spatially paired plots</a:t>
             </a:r>
           </a:p>
           <a:p>
             <a:pPr lvl="0"/>
             <a:r>
+              <a:rPr dirty="0"/>
               <a:t>Each pair represents relationship between measurements</a:t>
             </a:r>
           </a:p>
           <a:p>
             <a:pPr lvl="0"/>
             <a:r>
+              <a:rPr dirty="0"/>
               <a:t>Visualization shows tendency for change between paired observations</a:t>
             </a:r>
           </a:p>
         </p:txBody>
       </p:sp>
+      <p:pic>
+        <p:nvPicPr>
+          <p:cNvPr id="6146" name="Picture 2">
+            <a:extLst>
+              <a:ext uri="{FF2B5EF4-FFF2-40B4-BE49-F238E27FC236}">
+                <a16:creationId xmlns:a16="http://schemas.microsoft.com/office/drawing/2014/main" id="{B4CA46F3-EDAE-EEF7-145F-D4E57FA22E07}"/>
+              </a:ext>
+            </a:extLst>
+          </p:cNvPr>
+          <p:cNvPicPr>
+            <a:picLocks noChangeAspect="1" noChangeArrowheads="1"/>
+          </p:cNvPicPr>
+          <p:nvPr/>
+        </p:nvPicPr>
+        <p:blipFill>
+          <a:blip r:embed="rId2">
+            <a:extLst>
+              <a:ext uri="{28A0092B-C50C-407E-A947-70E740481C1C}">
+                <a14:useLocalDpi xmlns:a14="http://schemas.microsoft.com/office/drawing/2010/main" val="0"/>
+              </a:ext>
+            </a:extLst>
+          </a:blip>
+          <a:srcRect/>
+          <a:stretch>
+            <a:fillRect/>
+          </a:stretch>
+        </p:blipFill>
+        <p:spPr bwMode="auto">
+          <a:xfrm>
+            <a:off x="6609271" y="1690688"/>
+            <a:ext cx="5381446" cy="3843890"/>
+          </a:xfrm>
+          <a:prstGeom prst="rect">
+            <a:avLst/>
+          </a:prstGeom>
+          <a:noFill/>
+          <a:extLst>
+            <a:ext uri="{909E8E84-426E-40DD-AFC4-6F175D3DCCD1}">
+              <a14:hiddenFill xmlns:a14="http://schemas.microsoft.com/office/drawing/2010/main">
+                <a:solidFill>
+                  <a:srgbClr val="FFFFFF"/>
+                </a:solidFill>
+              </a14:hiddenFill>
+            </a:ext>
+          </a:extLst>
+        </p:spPr>
+      </p:pic>
     </p:spTree>
   </p:cSld>
   <p:clrMapOvr>
@@ -4695,6 +4986,53 @@
           </a:p>
         </p:txBody>
       </p:sp>
+      <p:pic>
+        <p:nvPicPr>
+          <p:cNvPr id="7170" name="Picture 2">
+            <a:extLst>
+              <a:ext uri="{FF2B5EF4-FFF2-40B4-BE49-F238E27FC236}">
+                <a16:creationId xmlns:a16="http://schemas.microsoft.com/office/drawing/2014/main" id="{A24FDC97-9DEA-5792-AE17-6D17C5186CB8}"/>
+              </a:ext>
+            </a:extLst>
+          </p:cNvPr>
+          <p:cNvPicPr>
+            <a:picLocks noChangeAspect="1" noChangeArrowheads="1"/>
+          </p:cNvPicPr>
+          <p:nvPr/>
+        </p:nvPicPr>
+        <p:blipFill>
+          <a:blip r:embed="rId2">
+            <a:extLst>
+              <a:ext uri="{28A0092B-C50C-407E-A947-70E740481C1C}">
+                <a14:useLocalDpi xmlns:a14="http://schemas.microsoft.com/office/drawing/2010/main" val="0"/>
+              </a:ext>
+            </a:extLst>
+          </a:blip>
+          <a:srcRect/>
+          <a:stretch>
+            <a:fillRect/>
+          </a:stretch>
+        </p:blipFill>
+        <p:spPr bwMode="auto">
+          <a:xfrm>
+            <a:off x="3779807" y="3900167"/>
+            <a:ext cx="3983966" cy="2845690"/>
+          </a:xfrm>
+          <a:prstGeom prst="rect">
+            <a:avLst/>
+          </a:prstGeom>
+          <a:noFill/>
+          <a:extLst>
+            <a:ext uri="{909E8E84-426E-40DD-AFC4-6F175D3DCCD1}">
+              <a14:hiddenFill xmlns:a14="http://schemas.microsoft.com/office/drawing/2010/main">
+                <a:solidFill>
+                  <a:srgbClr val="FFFFFF"/>
+                </a:solidFill>
+              </a14:hiddenFill>
+            </a:ext>
+          </a:extLst>
+        </p:spPr>
+      </p:pic>
     </p:spTree>
   </p:cSld>
   <p:clrMapOvr>
